--- a/template.pptx
+++ b/template.pptx
@@ -1290,6 +1290,65 @@
 </p:sldLayout>
 </file>
 
+<file path=ppt/slideLayouts/slideLayout5.xml><?xml version="1.0" encoding="utf-8"?>
+<p:sldLayout xmlns:a="http://schemas.openxmlformats.org/drawingml/2006/main" xmlns:r="http://schemas.openxmlformats.org/officeDocument/2006/relationships" xmlns:p="http://schemas.openxmlformats.org/presentationml/2006/main" preserve="1" userDrawn="1">
+  <p:cSld name="ユーザー設定レイアウト">
+    <p:spTree>
+      <p:nvGrpSpPr>
+        <p:cNvPr id="1" name=""/>
+        <p:cNvGrpSpPr/>
+        <p:nvPr/>
+      </p:nvGrpSpPr>
+      <p:grpSpPr>
+        <a:xfrm>
+          <a:off x="0" y="0"/>
+          <a:ext cx="0" cy="0"/>
+          <a:chOff x="0" y="0"/>
+          <a:chExt cx="0" cy="0"/>
+        </a:xfrm>
+      </p:grpSpPr>
+      <p:sp>
+        <p:nvSpPr>
+          <p:cNvPr id="3" name="フッター プレースホルダー 2">
+            <a:extLst>
+              <a:ext uri="{FF2B5EF4-FFF2-40B4-BE49-F238E27FC236}">
+                <a16:creationId xmlns:a16="http://schemas.microsoft.com/office/drawing/2014/main" id="{BA299223-FEEE-D998-8533-A9736C8B3979}"/>
+              </a:ext>
+            </a:extLst>
+          </p:cNvPr>
+          <p:cNvSpPr>
+            <a:spLocks noGrp="1"/>
+          </p:cNvSpPr>
+          <p:nvPr>
+            <p:ph type="ftr" sz="quarter" idx="10"/>
+          </p:nvPr>
+        </p:nvSpPr>
+        <p:spPr/>
+        <p:txBody>
+          <a:bodyPr/>
+          <a:lstStyle/>
+          <a:p>
+            <a:r>
+              <a:rPr lang="en" altLang="ja-JP"/>
+              <a:t>CONFIDENTIAL</a:t>
+            </a:r>
+            <a:endParaRPr lang="ja-JP" altLang="en-US"/>
+          </a:p>
+        </p:txBody>
+      </p:sp>
+    </p:spTree>
+    <p:extLst>
+      <p:ext uri="{BB962C8B-B14F-4D97-AF65-F5344CB8AC3E}">
+        <p14:creationId xmlns:p14="http://schemas.microsoft.com/office/powerpoint/2010/main" val="3302499145"/>
+      </p:ext>
+    </p:extLst>
+  </p:cSld>
+  <p:clrMapOvr>
+    <a:masterClrMapping/>
+  </p:clrMapOvr>
+</p:sldLayout>
+</file>
+
 <file path=ppt/slideMasters/slideMaster1.xml><?xml version="1.0" encoding="utf-8"?>
 <p:sldMaster xmlns:a="http://schemas.openxmlformats.org/drawingml/2006/main" xmlns:r="http://schemas.openxmlformats.org/officeDocument/2006/relationships" xmlns:p="http://schemas.openxmlformats.org/presentationml/2006/main">
   <p:cSld>
@@ -1477,6 +1536,7 @@
     <p:sldLayoutId id="2147483650" r:id="rId2"/>
     <p:sldLayoutId id="2147483652" r:id="rId3"/>
     <p:sldLayoutId id="2147483654" r:id="rId4"/>
+    <p:sldLayoutId id="2147483655" r:id="rId5"/>
   </p:sldLayoutIdLst>
   <p:hf sldNum="0" hdr="0" dt="0"/>
   <p:txStyles>
